--- a/Presentations/Group-8-Week6-Presentation.pptx
+++ b/Presentations/Group-8-Week6-Presentation.pptx
@@ -113,6 +113,11 @@
       </a:defRPr>
     </a:lvl9pPr>
   </p:defaultTextStyle>
+  <p:extLst>
+    <p:ext uri="{EFAFB233-063F-42B5-8137-9DF3F51BA10A}">
+      <p15:sldGuideLst xmlns:p15="http://schemas.microsoft.com/office/powerpoint/2012/main"/>
+    </p:ext>
+  </p:extLst>
 </p:presentation>
 </file>
 
@@ -198,7 +203,7 @@
           <a:p>
             <a:fld id="{49D3230E-E15C-4D5B-8F82-1BF6486F8EC9}" type="datetimeFigureOut">
               <a:rPr lang="en-US" smtClean="0"/>
-              <a:t>3/1/2019</a:t>
+              <a:t>3/4/2019</a:t>
             </a:fld>
             <a:endParaRPr lang="en-US"/>
           </a:p>
@@ -509,6 +514,274 @@
           <a:bodyPr/>
           <a:lstStyle/>
           <a:p>
+            <a:r>
+              <a:rPr lang="en-US" sz="1200" kern="1200" dirty="0">
+                <a:solidFill>
+                  <a:schemeClr val="tx1"/>
+                </a:solidFill>
+                <a:effectLst/>
+                <a:latin typeface="+mn-lt"/>
+                <a:ea typeface="+mn-ea"/>
+                <a:cs typeface="+mn-cs"/>
+              </a:rPr>
+              <a:t>ASSESSMENT CRITERIA</a:t>
+            </a:r>
+            <a:endParaRPr lang="en-GB" sz="1200" kern="1200" dirty="0">
+              <a:solidFill>
+                <a:schemeClr val="tx1"/>
+              </a:solidFill>
+              <a:effectLst/>
+              <a:latin typeface="+mn-lt"/>
+              <a:ea typeface="+mn-ea"/>
+              <a:cs typeface="+mn-cs"/>
+            </a:endParaRPr>
+          </a:p>
+          <a:p>
+            <a:r>
+              <a:rPr lang="en-US" sz="1200" kern="1200" dirty="0">
+                <a:solidFill>
+                  <a:schemeClr val="tx1"/>
+                </a:solidFill>
+                <a:effectLst/>
+                <a:latin typeface="+mn-lt"/>
+                <a:ea typeface="+mn-ea"/>
+                <a:cs typeface="+mn-cs"/>
+              </a:rPr>
+              <a:t> </a:t>
+            </a:r>
+            <a:endParaRPr lang="en-GB" sz="1200" kern="1200" dirty="0">
+              <a:solidFill>
+                <a:schemeClr val="tx1"/>
+              </a:solidFill>
+              <a:effectLst/>
+              <a:latin typeface="+mn-lt"/>
+              <a:ea typeface="+mn-ea"/>
+              <a:cs typeface="+mn-cs"/>
+            </a:endParaRPr>
+          </a:p>
+          <a:p>
+            <a:pPr lvl="0"/>
+            <a:r>
+              <a:rPr lang="en-GB" sz="1200" kern="1200" dirty="0">
+                <a:solidFill>
+                  <a:schemeClr val="tx1"/>
+                </a:solidFill>
+                <a:effectLst/>
+                <a:latin typeface="+mn-lt"/>
+                <a:ea typeface="+mn-ea"/>
+                <a:cs typeface="+mn-cs"/>
+              </a:rPr>
+              <a:t>Ability to deliver a complete game against an initial design specification.</a:t>
+            </a:r>
+          </a:p>
+          <a:p>
+            <a:pPr lvl="0"/>
+            <a:r>
+              <a:rPr lang="en-GB" sz="1200" kern="1200" dirty="0">
+                <a:solidFill>
+                  <a:schemeClr val="tx1"/>
+                </a:solidFill>
+                <a:effectLst/>
+                <a:latin typeface="+mn-lt"/>
+                <a:ea typeface="+mn-ea"/>
+                <a:cs typeface="+mn-cs"/>
+              </a:rPr>
+              <a:t>Quality of game play experience.</a:t>
+            </a:r>
+          </a:p>
+          <a:p>
+            <a:pPr lvl="0"/>
+            <a:r>
+              <a:rPr lang="en-GB" sz="1200" kern="1200" dirty="0">
+                <a:solidFill>
+                  <a:schemeClr val="tx1"/>
+                </a:solidFill>
+                <a:effectLst/>
+                <a:latin typeface="+mn-lt"/>
+                <a:ea typeface="+mn-ea"/>
+                <a:cs typeface="+mn-cs"/>
+              </a:rPr>
+              <a:t>Quality of iterative development of the game.</a:t>
+            </a:r>
+          </a:p>
+          <a:p>
+            <a:pPr lvl="0"/>
+            <a:r>
+              <a:rPr lang="en-GB" sz="1200" kern="1200" dirty="0">
+                <a:solidFill>
+                  <a:schemeClr val="tx1"/>
+                </a:solidFill>
+                <a:effectLst/>
+                <a:latin typeface="+mn-lt"/>
+                <a:ea typeface="+mn-ea"/>
+                <a:cs typeface="+mn-cs"/>
+              </a:rPr>
+              <a:t>Ability to satisfy an identified market through appropriate game play design.</a:t>
+            </a:r>
+          </a:p>
+          <a:p>
+            <a:endParaRPr lang="en-GB" dirty="0"/>
+          </a:p>
+          <a:p>
+            <a:pPr lvl="0"/>
+            <a:r>
+              <a:rPr lang="en-GB" sz="1200" kern="1200" dirty="0">
+                <a:solidFill>
+                  <a:schemeClr val="tx1"/>
+                </a:solidFill>
+                <a:effectLst/>
+                <a:latin typeface="+mn-lt"/>
+                <a:ea typeface="+mn-ea"/>
+                <a:cs typeface="+mn-cs"/>
+              </a:rPr>
+              <a:t>Ability to contribute to effective team working.</a:t>
+            </a:r>
+          </a:p>
+          <a:p>
+            <a:pPr lvl="0"/>
+            <a:r>
+              <a:rPr lang="en-GB" sz="1200" kern="1200" dirty="0">
+                <a:solidFill>
+                  <a:schemeClr val="tx1"/>
+                </a:solidFill>
+                <a:effectLst/>
+                <a:latin typeface="+mn-lt"/>
+                <a:ea typeface="+mn-ea"/>
+                <a:cs typeface="+mn-cs"/>
+              </a:rPr>
+              <a:t>Ability to communicate game and individual progress in a consistent and effective manner to stakeholders.</a:t>
+            </a:r>
+          </a:p>
+          <a:p>
+            <a:pPr lvl="0"/>
+            <a:r>
+              <a:rPr lang="en-GB" sz="1200" kern="1200" dirty="0">
+                <a:solidFill>
+                  <a:schemeClr val="tx1"/>
+                </a:solidFill>
+                <a:effectLst/>
+                <a:latin typeface="+mn-lt"/>
+                <a:ea typeface="+mn-ea"/>
+                <a:cs typeface="+mn-cs"/>
+              </a:rPr>
+              <a:t>Ability to produce assets in time and to standard.</a:t>
+            </a:r>
+          </a:p>
+          <a:p>
+            <a:pPr lvl="0"/>
+            <a:r>
+              <a:rPr lang="en-GB" sz="1200" kern="1200" dirty="0">
+                <a:solidFill>
+                  <a:schemeClr val="tx1"/>
+                </a:solidFill>
+                <a:effectLst/>
+                <a:latin typeface="+mn-lt"/>
+                <a:ea typeface="+mn-ea"/>
+                <a:cs typeface="+mn-cs"/>
+              </a:rPr>
+              <a:t>Ability to use documentation and software related to project management in a consistent and effective manner.</a:t>
+            </a:r>
+          </a:p>
+          <a:p>
+            <a:pPr lvl="0"/>
+            <a:r>
+              <a:rPr lang="en-GB" sz="1200" kern="1200" dirty="0">
+                <a:solidFill>
+                  <a:schemeClr val="tx1"/>
+                </a:solidFill>
+                <a:effectLst/>
+                <a:latin typeface="+mn-lt"/>
+                <a:ea typeface="+mn-ea"/>
+                <a:cs typeface="+mn-cs"/>
+              </a:rPr>
+              <a:t>Ability to reflect on work and to identify best practice on a range of issues.</a:t>
+            </a:r>
+          </a:p>
+          <a:p>
+            <a:endParaRPr lang="en-GB" dirty="0"/>
+          </a:p>
+        </p:txBody>
+      </p:sp>
+      <p:sp>
+        <p:nvSpPr>
+          <p:cNvPr id="4" name="Slide Number Placeholder 3"/>
+          <p:cNvSpPr>
+            <a:spLocks noGrp="1"/>
+          </p:cNvSpPr>
+          <p:nvPr>
+            <p:ph type="sldNum" sz="quarter" idx="5"/>
+          </p:nvPr>
+        </p:nvSpPr>
+        <p:spPr/>
+        <p:txBody>
+          <a:bodyPr/>
+          <a:lstStyle/>
+          <a:p>
+            <a:fld id="{DC10BEEB-0A5F-467A-93DD-2CAB1A37F45A}" type="slidenum">
+              <a:rPr lang="en-US" smtClean="0"/>
+              <a:t>2</a:t>
+            </a:fld>
+            <a:endParaRPr lang="en-US"/>
+          </a:p>
+        </p:txBody>
+      </p:sp>
+    </p:spTree>
+    <p:extLst>
+      <p:ext uri="{BB962C8B-B14F-4D97-AF65-F5344CB8AC3E}">
+        <p14:creationId xmlns:p14="http://schemas.microsoft.com/office/powerpoint/2010/main" val="3678668280"/>
+      </p:ext>
+    </p:extLst>
+  </p:cSld>
+  <p:clrMapOvr>
+    <a:masterClrMapping/>
+  </p:clrMapOvr>
+</p:notes>
+</file>
+
+<file path=ppt/notesSlides/notesSlide2.xml><?xml version="1.0" encoding="utf-8"?>
+<p:notes xmlns:a="http://schemas.openxmlformats.org/drawingml/2006/main" xmlns:r="http://schemas.openxmlformats.org/officeDocument/2006/relationships" xmlns:p="http://schemas.openxmlformats.org/presentationml/2006/main">
+  <p:cSld>
+    <p:spTree>
+      <p:nvGrpSpPr>
+        <p:cNvPr id="1" name=""/>
+        <p:cNvGrpSpPr/>
+        <p:nvPr/>
+      </p:nvGrpSpPr>
+      <p:grpSpPr>
+        <a:xfrm>
+          <a:off x="0" y="0"/>
+          <a:ext cx="0" cy="0"/>
+          <a:chOff x="0" y="0"/>
+          <a:chExt cx="0" cy="0"/>
+        </a:xfrm>
+      </p:grpSpPr>
+      <p:sp>
+        <p:nvSpPr>
+          <p:cNvPr id="2" name="Slide Image Placeholder 1"/>
+          <p:cNvSpPr>
+            <a:spLocks noGrp="1" noRot="1" noChangeAspect="1"/>
+          </p:cNvSpPr>
+          <p:nvPr>
+            <p:ph type="sldImg"/>
+          </p:nvPr>
+        </p:nvSpPr>
+        <p:spPr/>
+      </p:sp>
+      <p:sp>
+        <p:nvSpPr>
+          <p:cNvPr id="3" name="Notes Placeholder 2"/>
+          <p:cNvSpPr>
+            <a:spLocks noGrp="1"/>
+          </p:cNvSpPr>
+          <p:nvPr>
+            <p:ph type="body" idx="1"/>
+          </p:nvPr>
+        </p:nvSpPr>
+        <p:spPr/>
+        <p:txBody>
+          <a:bodyPr/>
+          <a:lstStyle/>
+          <a:p>
             <a:endParaRPr lang="en-US" dirty="0"/>
           </a:p>
         </p:txBody>
@@ -540,6 +813,140 @@
     <p:extLst>
       <p:ext uri="{BB962C8B-B14F-4D97-AF65-F5344CB8AC3E}">
         <p14:creationId xmlns:p14="http://schemas.microsoft.com/office/powerpoint/2010/main" val="3769382046"/>
+      </p:ext>
+    </p:extLst>
+  </p:cSld>
+  <p:clrMapOvr>
+    <a:masterClrMapping/>
+  </p:clrMapOvr>
+</p:notes>
+</file>
+
+<file path=ppt/notesSlides/notesSlide3.xml><?xml version="1.0" encoding="utf-8"?>
+<p:notes xmlns:a="http://schemas.openxmlformats.org/drawingml/2006/main" xmlns:r="http://schemas.openxmlformats.org/officeDocument/2006/relationships" xmlns:p="http://schemas.openxmlformats.org/presentationml/2006/main">
+  <p:cSld>
+    <p:spTree>
+      <p:nvGrpSpPr>
+        <p:cNvPr id="1" name=""/>
+        <p:cNvGrpSpPr/>
+        <p:nvPr/>
+      </p:nvGrpSpPr>
+      <p:grpSpPr>
+        <a:xfrm>
+          <a:off x="0" y="0"/>
+          <a:ext cx="0" cy="0"/>
+          <a:chOff x="0" y="0"/>
+          <a:chExt cx="0" cy="0"/>
+        </a:xfrm>
+      </p:grpSpPr>
+      <p:sp>
+        <p:nvSpPr>
+          <p:cNvPr id="2" name="Slide Image Placeholder 1"/>
+          <p:cNvSpPr>
+            <a:spLocks noGrp="1" noRot="1" noChangeAspect="1"/>
+          </p:cNvSpPr>
+          <p:nvPr>
+            <p:ph type="sldImg"/>
+          </p:nvPr>
+        </p:nvSpPr>
+        <p:spPr/>
+      </p:sp>
+      <p:sp>
+        <p:nvSpPr>
+          <p:cNvPr id="3" name="Notes Placeholder 2"/>
+          <p:cNvSpPr>
+            <a:spLocks noGrp="1"/>
+          </p:cNvSpPr>
+          <p:nvPr>
+            <p:ph type="body" idx="1"/>
+          </p:nvPr>
+        </p:nvSpPr>
+        <p:spPr/>
+        <p:txBody>
+          <a:bodyPr/>
+          <a:lstStyle/>
+          <a:p>
+            <a:r>
+              <a:rPr lang="en-GB" dirty="0"/>
+              <a:t>A </a:t>
+            </a:r>
+            <a:r>
+              <a:rPr lang="en-GB" dirty="0" err="1"/>
+              <a:t>RogueLike</a:t>
+            </a:r>
+            <a:r>
+              <a:rPr lang="en-GB" dirty="0"/>
+              <a:t> game is </a:t>
+            </a:r>
+            <a:r>
+              <a:rPr lang="en-GB" sz="1200" b="0" i="0" u="none" strike="noStrike" kern="1200" dirty="0">
+                <a:solidFill>
+                  <a:schemeClr val="tx1"/>
+                </a:solidFill>
+                <a:effectLst/>
+                <a:latin typeface="+mn-lt"/>
+                <a:ea typeface="+mn-ea"/>
+                <a:cs typeface="+mn-cs"/>
+              </a:rPr>
+              <a:t>characterized by a dungeon crawl through procedurally generated levels, turned-based gameplay, tile-based graphics and permanent death of the player character.</a:t>
+            </a:r>
+          </a:p>
+          <a:p>
+            <a:r>
+              <a:rPr lang="en-GB" sz="1200" b="0" i="0" u="none" strike="noStrike" kern="1200" dirty="0">
+                <a:solidFill>
+                  <a:schemeClr val="tx1"/>
+                </a:solidFill>
+                <a:effectLst/>
+                <a:latin typeface="+mn-lt"/>
+                <a:ea typeface="+mn-ea"/>
+                <a:cs typeface="+mn-cs"/>
+              </a:rPr>
+              <a:t>We took off the permanent death mechanic and decided instead that the player can never die. If your player loses against an enemy, you then take control of </a:t>
+            </a:r>
+            <a:r>
+              <a:rPr lang="en-GB" sz="1200" b="0" i="0" u="none" strike="noStrike" kern="1200">
+                <a:solidFill>
+                  <a:schemeClr val="tx1"/>
+                </a:solidFill>
+                <a:effectLst/>
+                <a:latin typeface="+mn-lt"/>
+                <a:ea typeface="+mn-ea"/>
+                <a:cs typeface="+mn-cs"/>
+              </a:rPr>
+              <a:t>that enemy.</a:t>
+            </a:r>
+            <a:endParaRPr lang="en-GB" dirty="0"/>
+          </a:p>
+        </p:txBody>
+      </p:sp>
+      <p:sp>
+        <p:nvSpPr>
+          <p:cNvPr id="4" name="Slide Number Placeholder 3"/>
+          <p:cNvSpPr>
+            <a:spLocks noGrp="1"/>
+          </p:cNvSpPr>
+          <p:nvPr>
+            <p:ph type="sldNum" sz="quarter" idx="5"/>
+          </p:nvPr>
+        </p:nvSpPr>
+        <p:spPr/>
+        <p:txBody>
+          <a:bodyPr/>
+          <a:lstStyle/>
+          <a:p>
+            <a:fld id="{DC10BEEB-0A5F-467A-93DD-2CAB1A37F45A}" type="slidenum">
+              <a:rPr lang="en-US" smtClean="0"/>
+              <a:t>4</a:t>
+            </a:fld>
+            <a:endParaRPr lang="en-US"/>
+          </a:p>
+        </p:txBody>
+      </p:sp>
+    </p:spTree>
+    <p:extLst>
+      <p:ext uri="{BB962C8B-B14F-4D97-AF65-F5344CB8AC3E}">
+        <p14:creationId xmlns:p14="http://schemas.microsoft.com/office/powerpoint/2010/main" val="2633246828"/>
       </p:ext>
     </p:extLst>
   </p:cSld>
@@ -696,7 +1103,7 @@
           <a:p>
             <a:fld id="{9198CA6E-1ADE-4459-961D-D3454A537B0B}" type="datetimeFigureOut">
               <a:rPr lang="en-US" smtClean="0"/>
-              <a:t>3/1/2019</a:t>
+              <a:t>3/4/2019</a:t>
             </a:fld>
             <a:endParaRPr lang="en-US"/>
           </a:p>
@@ -894,7 +1301,7 @@
           <a:p>
             <a:fld id="{9198CA6E-1ADE-4459-961D-D3454A537B0B}" type="datetimeFigureOut">
               <a:rPr lang="en-US" smtClean="0"/>
-              <a:t>3/1/2019</a:t>
+              <a:t>3/4/2019</a:t>
             </a:fld>
             <a:endParaRPr lang="en-US"/>
           </a:p>
@@ -1102,7 +1509,7 @@
           <a:p>
             <a:fld id="{9198CA6E-1ADE-4459-961D-D3454A537B0B}" type="datetimeFigureOut">
               <a:rPr lang="en-US" smtClean="0"/>
-              <a:t>3/1/2019</a:t>
+              <a:t>3/4/2019</a:t>
             </a:fld>
             <a:endParaRPr lang="en-US"/>
           </a:p>
@@ -1300,7 +1707,7 @@
           <a:p>
             <a:fld id="{9198CA6E-1ADE-4459-961D-D3454A537B0B}" type="datetimeFigureOut">
               <a:rPr lang="en-US" smtClean="0"/>
-              <a:t>3/1/2019</a:t>
+              <a:t>3/4/2019</a:t>
             </a:fld>
             <a:endParaRPr lang="en-US"/>
           </a:p>
@@ -1575,7 +1982,7 @@
           <a:p>
             <a:fld id="{9198CA6E-1ADE-4459-961D-D3454A537B0B}" type="datetimeFigureOut">
               <a:rPr lang="en-US" smtClean="0"/>
-              <a:t>3/1/2019</a:t>
+              <a:t>3/4/2019</a:t>
             </a:fld>
             <a:endParaRPr lang="en-US"/>
           </a:p>
@@ -1840,7 +2247,7 @@
           <a:p>
             <a:fld id="{9198CA6E-1ADE-4459-961D-D3454A537B0B}" type="datetimeFigureOut">
               <a:rPr lang="en-US" smtClean="0"/>
-              <a:t>3/1/2019</a:t>
+              <a:t>3/4/2019</a:t>
             </a:fld>
             <a:endParaRPr lang="en-US"/>
           </a:p>
@@ -2252,7 +2659,7 @@
           <a:p>
             <a:fld id="{9198CA6E-1ADE-4459-961D-D3454A537B0B}" type="datetimeFigureOut">
               <a:rPr lang="en-US" smtClean="0"/>
-              <a:t>3/1/2019</a:t>
+              <a:t>3/4/2019</a:t>
             </a:fld>
             <a:endParaRPr lang="en-US"/>
           </a:p>
@@ -2393,7 +2800,7 @@
           <a:p>
             <a:fld id="{9198CA6E-1ADE-4459-961D-D3454A537B0B}" type="datetimeFigureOut">
               <a:rPr lang="en-US" smtClean="0"/>
-              <a:t>3/1/2019</a:t>
+              <a:t>3/4/2019</a:t>
             </a:fld>
             <a:endParaRPr lang="en-US"/>
           </a:p>
@@ -2506,7 +2913,7 @@
           <a:p>
             <a:fld id="{9198CA6E-1ADE-4459-961D-D3454A537B0B}" type="datetimeFigureOut">
               <a:rPr lang="en-US" smtClean="0"/>
-              <a:t>3/1/2019</a:t>
+              <a:t>3/4/2019</a:t>
             </a:fld>
             <a:endParaRPr lang="en-US"/>
           </a:p>
@@ -2817,7 +3224,7 @@
           <a:p>
             <a:fld id="{9198CA6E-1ADE-4459-961D-D3454A537B0B}" type="datetimeFigureOut">
               <a:rPr lang="en-US" smtClean="0"/>
-              <a:t>3/1/2019</a:t>
+              <a:t>3/4/2019</a:t>
             </a:fld>
             <a:endParaRPr lang="en-US"/>
           </a:p>
@@ -3105,7 +3512,7 @@
           <a:p>
             <a:fld id="{9198CA6E-1ADE-4459-961D-D3454A537B0B}" type="datetimeFigureOut">
               <a:rPr lang="en-US" smtClean="0"/>
-              <a:t>3/1/2019</a:t>
+              <a:t>3/4/2019</a:t>
             </a:fld>
             <a:endParaRPr lang="en-US"/>
           </a:p>
@@ -3346,7 +3753,7 @@
           <a:p>
             <a:fld id="{9198CA6E-1ADE-4459-961D-D3454A537B0B}" type="datetimeFigureOut">
               <a:rPr lang="en-US" smtClean="0"/>
-              <a:t>3/1/2019</a:t>
+              <a:t>3/4/2019</a:t>
             </a:fld>
             <a:endParaRPr lang="en-US"/>
           </a:p>
@@ -3842,13 +4249,8 @@
             </a:r>
             <a:r>
               <a:rPr lang="en-GB" dirty="0"/>
-              <a:t>, Sorin Cristea, Louis </a:t>
-            </a:r>
-            <a:r>
-              <a:rPr lang="en-GB" dirty="0" err="1"/>
-              <a:t>Vagner</a:t>
-            </a:r>
-            <a:endParaRPr lang="en-GB" dirty="0"/>
+              <a:t>, Sorin Cristea, Louis Vagner</a:t>
+            </a:r>
           </a:p>
           <a:p>
             <a:endParaRPr lang="en-US" dirty="0"/>
@@ -3931,10 +4333,33 @@
         </p:nvSpPr>
         <p:spPr/>
         <p:txBody>
-          <a:bodyPr/>
-          <a:lstStyle/>
-          <a:p>
-            <a:endParaRPr lang="en-US" dirty="0"/>
+          <a:bodyPr>
+            <a:normAutofit/>
+          </a:bodyPr>
+          <a:lstStyle/>
+          <a:p>
+            <a:r>
+              <a:rPr lang="en-US" sz="6600" dirty="0"/>
+              <a:t>Choose a game genre</a:t>
+            </a:r>
+          </a:p>
+          <a:p>
+            <a:r>
+              <a:rPr lang="en-US" sz="6600" dirty="0"/>
+              <a:t>Change of a basic mechanic</a:t>
+            </a:r>
+          </a:p>
+          <a:p>
+            <a:r>
+              <a:rPr lang="en-US" sz="6600" dirty="0"/>
+              <a:t>Single player Game</a:t>
+            </a:r>
+          </a:p>
+          <a:p>
+            <a:r>
+              <a:rPr lang="en-US" sz="6600" dirty="0"/>
+              <a:t>Intuitive gameplay</a:t>
+            </a:r>
           </a:p>
         </p:txBody>
       </p:sp>
@@ -4097,10 +4522,39 @@
         </p:nvSpPr>
         <p:spPr/>
         <p:txBody>
-          <a:bodyPr/>
-          <a:lstStyle/>
-          <a:p>
-            <a:endParaRPr lang="en-US" dirty="0"/>
+          <a:bodyPr>
+            <a:normAutofit fontScale="92500"/>
+          </a:bodyPr>
+          <a:lstStyle/>
+          <a:p>
+            <a:r>
+              <a:rPr lang="en-US" sz="5400" dirty="0"/>
+              <a:t>No Perma-death</a:t>
+            </a:r>
+          </a:p>
+          <a:p>
+            <a:r>
+              <a:rPr lang="en-US" sz="5400" dirty="0"/>
+              <a:t>Solution : body switch with the killer</a:t>
+            </a:r>
+          </a:p>
+          <a:p>
+            <a:r>
+              <a:rPr lang="en-US" sz="5400" dirty="0"/>
+              <a:t>Dungeon generator</a:t>
+            </a:r>
+          </a:p>
+          <a:p>
+            <a:r>
+              <a:rPr lang="en-US" sz="5400" dirty="0"/>
+              <a:t>AI for enemies</a:t>
+            </a:r>
+          </a:p>
+          <a:p>
+            <a:r>
+              <a:rPr lang="en-US" sz="5400" dirty="0"/>
+              <a:t>Point and click movement </a:t>
+            </a:r>
           </a:p>
         </p:txBody>
       </p:sp>

--- a/Presentations/Group-8-Week6-Presentation.pptx
+++ b/Presentations/Group-8-Week6-Presentation.pptx
@@ -4305,34 +4305,6 @@
         </p:nvSpPr>
         <p:spPr/>
         <p:txBody>
-          <a:bodyPr/>
-          <a:lstStyle/>
-          <a:p>
-            <a:r>
-              <a:rPr lang="en-US" dirty="0"/>
-              <a:t>Brief</a:t>
-            </a:r>
-          </a:p>
-        </p:txBody>
-      </p:sp>
-      <p:sp>
-        <p:nvSpPr>
-          <p:cNvPr id="3" name="Content Placeholder 2">
-            <a:extLst>
-              <a:ext uri="{FF2B5EF4-FFF2-40B4-BE49-F238E27FC236}">
-                <a16:creationId xmlns:a16="http://schemas.microsoft.com/office/drawing/2014/main" id="{E5B8075C-3587-422E-8A70-4720EE7715DE}"/>
-              </a:ext>
-            </a:extLst>
-          </p:cNvPr>
-          <p:cNvSpPr>
-            <a:spLocks noGrp="1"/>
-          </p:cNvSpPr>
-          <p:nvPr>
-            <p:ph idx="1"/>
-          </p:nvPr>
-        </p:nvSpPr>
-        <p:spPr/>
-        <p:txBody>
           <a:bodyPr>
             <a:normAutofit/>
           </a:bodyPr>
@@ -4340,24 +4312,68 @@
           <a:p>
             <a:r>
               <a:rPr lang="en-US" sz="6600" dirty="0"/>
+              <a:t>Brief</a:t>
+            </a:r>
+          </a:p>
+        </p:txBody>
+      </p:sp>
+      <p:sp>
+        <p:nvSpPr>
+          <p:cNvPr id="3" name="Content Placeholder 2">
+            <a:extLst>
+              <a:ext uri="{FF2B5EF4-FFF2-40B4-BE49-F238E27FC236}">
+                <a16:creationId xmlns:a16="http://schemas.microsoft.com/office/drawing/2014/main" id="{E5B8075C-3587-422E-8A70-4720EE7715DE}"/>
+              </a:ext>
+            </a:extLst>
+          </p:cNvPr>
+          <p:cNvSpPr>
+            <a:spLocks noGrp="1"/>
+          </p:cNvSpPr>
+          <p:nvPr>
+            <p:ph idx="1"/>
+          </p:nvPr>
+        </p:nvSpPr>
+        <p:spPr>
+          <a:xfrm>
+            <a:off x="838200" y="1825625"/>
+            <a:ext cx="10515600" cy="4793540"/>
+          </a:xfrm>
+        </p:spPr>
+        <p:txBody>
+          <a:bodyPr>
+            <a:normAutofit lnSpcReduction="10000"/>
+          </a:bodyPr>
+          <a:lstStyle/>
+          <a:p>
+            <a:r>
+              <a:rPr lang="en-US" sz="4400" dirty="0"/>
               <a:t>Choose a game genre</a:t>
             </a:r>
           </a:p>
           <a:p>
-            <a:r>
-              <a:rPr lang="en-US" sz="6600" dirty="0"/>
+            <a:endParaRPr lang="en-US" sz="4400" dirty="0"/>
+          </a:p>
+          <a:p>
+            <a:r>
+              <a:rPr lang="en-US" sz="4400" dirty="0"/>
               <a:t>Change of a basic mechanic</a:t>
             </a:r>
           </a:p>
           <a:p>
-            <a:r>
-              <a:rPr lang="en-US" sz="6600" dirty="0"/>
+            <a:endParaRPr lang="en-US" sz="4400" dirty="0"/>
+          </a:p>
+          <a:p>
+            <a:r>
+              <a:rPr lang="en-US" sz="4400" dirty="0"/>
               <a:t>Single player Game</a:t>
             </a:r>
           </a:p>
           <a:p>
-            <a:r>
-              <a:rPr lang="en-US" sz="6600" dirty="0"/>
+            <a:endParaRPr lang="en-US" sz="4400" dirty="0"/>
+          </a:p>
+          <a:p>
+            <a:r>
+              <a:rPr lang="en-US" sz="4400" dirty="0"/>
               <a:t>Intuitive gameplay</a:t>
             </a:r>
           </a:p>
@@ -4803,7 +4819,37 @@
           <a:bodyPr/>
           <a:lstStyle/>
           <a:p>
-            <a:endParaRPr lang="en-US"/>
+            <a:r>
+              <a:rPr lang="en-US" dirty="0"/>
+              <a:t>Testing</a:t>
+            </a:r>
+          </a:p>
+          <a:p>
+            <a:endParaRPr lang="en-US" dirty="0"/>
+          </a:p>
+          <a:p>
+            <a:r>
+              <a:rPr lang="en-US" dirty="0"/>
+              <a:t>Balancing</a:t>
+            </a:r>
+          </a:p>
+          <a:p>
+            <a:endParaRPr lang="en-US" dirty="0"/>
+          </a:p>
+          <a:p>
+            <a:r>
+              <a:rPr lang="en-US" dirty="0"/>
+              <a:t>Creating a tutorial level</a:t>
+            </a:r>
+          </a:p>
+          <a:p>
+            <a:endParaRPr lang="en-US" dirty="0"/>
+          </a:p>
+          <a:p>
+            <a:r>
+              <a:rPr lang="en-US" dirty="0"/>
+              <a:t>Polishing</a:t>
+            </a:r>
           </a:p>
         </p:txBody>
       </p:sp>
